--- a/osi-and-tcp.pptx
+++ b/osi-and-tcp.pptx
@@ -104,6 +104,11 @@
       </a:defRPr>
     </a:lvl9pPr>
   </p:defaultTextStyle>
+  <p:extLst>
+    <p:ext uri="{EFAFB233-063F-42B5-8137-9DF3F51BA10A}">
+      <p15:sldGuideLst xmlns:p15="http://schemas.microsoft.com/office/powerpoint/2012/main"/>
+    </p:ext>
+  </p:extLst>
 </p:presentation>
 </file>
 
@@ -149,10 +154,9 @@
           </a:lstStyle>
           <a:p>
             <a:r>
-              <a:rPr lang="ko-KR" altLang="en-US" smtClean="0"/>
+              <a:rPr lang="ko-KR" altLang="en-US"/>
               <a:t>마스터 제목 스타일 편집</a:t>
             </a:r>
-            <a:endParaRPr lang="ko-KR" altLang="en-US"/>
           </a:p>
         </p:txBody>
       </p:sp>
@@ -214,10 +218,9 @@
           </a:lstStyle>
           <a:p>
             <a:r>
-              <a:rPr lang="ko-KR" altLang="en-US" smtClean="0"/>
+              <a:rPr lang="ko-KR" altLang="en-US"/>
               <a:t>클릭하여 마스터 부제목 스타일 편집</a:t>
             </a:r>
-            <a:endParaRPr lang="ko-KR" altLang="en-US"/>
           </a:p>
         </p:txBody>
       </p:sp>
@@ -238,7 +241,7 @@
           <a:p>
             <a:fld id="{26576763-DB1D-4912-88C1-03ED06B18342}" type="datetimeFigureOut">
               <a:rPr lang="ko-KR" altLang="en-US" smtClean="0"/>
-              <a:t>2020-07-12</a:t>
+              <a:t>2020-07-14</a:t>
             </a:fld>
             <a:endParaRPr lang="ko-KR" altLang="en-US"/>
           </a:p>
@@ -332,10 +335,9 @@
           <a:lstStyle/>
           <a:p>
             <a:r>
-              <a:rPr lang="ko-KR" altLang="en-US" smtClean="0"/>
+              <a:rPr lang="ko-KR" altLang="en-US"/>
               <a:t>마스터 제목 스타일 편집</a:t>
             </a:r>
-            <a:endParaRPr lang="ko-KR" altLang="en-US"/>
           </a:p>
         </p:txBody>
       </p:sp>
@@ -356,38 +358,37 @@
           <a:p>
             <a:pPr lvl="0"/>
             <a:r>
-              <a:rPr lang="ko-KR" altLang="en-US" smtClean="0"/>
+              <a:rPr lang="ko-KR" altLang="en-US"/>
               <a:t>마스터 텍스트 스타일 편집</a:t>
             </a:r>
           </a:p>
           <a:p>
             <a:pPr lvl="1"/>
             <a:r>
-              <a:rPr lang="ko-KR" altLang="en-US" smtClean="0"/>
+              <a:rPr lang="ko-KR" altLang="en-US"/>
               <a:t>둘째 수준</a:t>
             </a:r>
           </a:p>
           <a:p>
             <a:pPr lvl="2"/>
             <a:r>
-              <a:rPr lang="ko-KR" altLang="en-US" smtClean="0"/>
+              <a:rPr lang="ko-KR" altLang="en-US"/>
               <a:t>셋째 수준</a:t>
             </a:r>
           </a:p>
           <a:p>
             <a:pPr lvl="3"/>
             <a:r>
-              <a:rPr lang="ko-KR" altLang="en-US" smtClean="0"/>
+              <a:rPr lang="ko-KR" altLang="en-US"/>
               <a:t>넷째 수준</a:t>
             </a:r>
           </a:p>
           <a:p>
             <a:pPr lvl="4"/>
             <a:r>
-              <a:rPr lang="ko-KR" altLang="en-US" smtClean="0"/>
+              <a:rPr lang="ko-KR" altLang="en-US"/>
               <a:t>다섯째 수준</a:t>
             </a:r>
-            <a:endParaRPr lang="ko-KR" altLang="en-US"/>
           </a:p>
         </p:txBody>
       </p:sp>
@@ -408,7 +409,7 @@
           <a:p>
             <a:fld id="{26576763-DB1D-4912-88C1-03ED06B18342}" type="datetimeFigureOut">
               <a:rPr lang="ko-KR" altLang="en-US" smtClean="0"/>
-              <a:t>2020-07-12</a:t>
+              <a:t>2020-07-14</a:t>
             </a:fld>
             <a:endParaRPr lang="ko-KR" altLang="en-US"/>
           </a:p>
@@ -507,10 +508,9 @@
           <a:lstStyle/>
           <a:p>
             <a:r>
-              <a:rPr lang="ko-KR" altLang="en-US" smtClean="0"/>
+              <a:rPr lang="ko-KR" altLang="en-US"/>
               <a:t>마스터 제목 스타일 편집</a:t>
             </a:r>
-            <a:endParaRPr lang="ko-KR" altLang="en-US"/>
           </a:p>
         </p:txBody>
       </p:sp>
@@ -536,38 +536,37 @@
           <a:p>
             <a:pPr lvl="0"/>
             <a:r>
-              <a:rPr lang="ko-KR" altLang="en-US" smtClean="0"/>
+              <a:rPr lang="ko-KR" altLang="en-US"/>
               <a:t>마스터 텍스트 스타일 편집</a:t>
             </a:r>
           </a:p>
           <a:p>
             <a:pPr lvl="1"/>
             <a:r>
-              <a:rPr lang="ko-KR" altLang="en-US" smtClean="0"/>
+              <a:rPr lang="ko-KR" altLang="en-US"/>
               <a:t>둘째 수준</a:t>
             </a:r>
           </a:p>
           <a:p>
             <a:pPr lvl="2"/>
             <a:r>
-              <a:rPr lang="ko-KR" altLang="en-US" smtClean="0"/>
+              <a:rPr lang="ko-KR" altLang="en-US"/>
               <a:t>셋째 수준</a:t>
             </a:r>
           </a:p>
           <a:p>
             <a:pPr lvl="3"/>
             <a:r>
-              <a:rPr lang="ko-KR" altLang="en-US" smtClean="0"/>
+              <a:rPr lang="ko-KR" altLang="en-US"/>
               <a:t>넷째 수준</a:t>
             </a:r>
           </a:p>
           <a:p>
             <a:pPr lvl="4"/>
             <a:r>
-              <a:rPr lang="ko-KR" altLang="en-US" smtClean="0"/>
+              <a:rPr lang="ko-KR" altLang="en-US"/>
               <a:t>다섯째 수준</a:t>
             </a:r>
-            <a:endParaRPr lang="ko-KR" altLang="en-US"/>
           </a:p>
         </p:txBody>
       </p:sp>
@@ -588,7 +587,7 @@
           <a:p>
             <a:fld id="{26576763-DB1D-4912-88C1-03ED06B18342}" type="datetimeFigureOut">
               <a:rPr lang="ko-KR" altLang="en-US" smtClean="0"/>
-              <a:t>2020-07-12</a:t>
+              <a:t>2020-07-14</a:t>
             </a:fld>
             <a:endParaRPr lang="ko-KR" altLang="en-US"/>
           </a:p>
@@ -682,10 +681,9 @@
           <a:lstStyle/>
           <a:p>
             <a:r>
-              <a:rPr lang="ko-KR" altLang="en-US" smtClean="0"/>
+              <a:rPr lang="ko-KR" altLang="en-US"/>
               <a:t>마스터 제목 스타일 편집</a:t>
             </a:r>
-            <a:endParaRPr lang="ko-KR" altLang="en-US"/>
           </a:p>
         </p:txBody>
       </p:sp>
@@ -706,38 +704,37 @@
           <a:p>
             <a:pPr lvl="0"/>
             <a:r>
-              <a:rPr lang="ko-KR" altLang="en-US" smtClean="0"/>
+              <a:rPr lang="ko-KR" altLang="en-US"/>
               <a:t>마스터 텍스트 스타일 편집</a:t>
             </a:r>
           </a:p>
           <a:p>
             <a:pPr lvl="1"/>
             <a:r>
-              <a:rPr lang="ko-KR" altLang="en-US" smtClean="0"/>
+              <a:rPr lang="ko-KR" altLang="en-US"/>
               <a:t>둘째 수준</a:t>
             </a:r>
           </a:p>
           <a:p>
             <a:pPr lvl="2"/>
             <a:r>
-              <a:rPr lang="ko-KR" altLang="en-US" smtClean="0"/>
+              <a:rPr lang="ko-KR" altLang="en-US"/>
               <a:t>셋째 수준</a:t>
             </a:r>
           </a:p>
           <a:p>
             <a:pPr lvl="3"/>
             <a:r>
-              <a:rPr lang="ko-KR" altLang="en-US" smtClean="0"/>
+              <a:rPr lang="ko-KR" altLang="en-US"/>
               <a:t>넷째 수준</a:t>
             </a:r>
           </a:p>
           <a:p>
             <a:pPr lvl="4"/>
             <a:r>
-              <a:rPr lang="ko-KR" altLang="en-US" smtClean="0"/>
+              <a:rPr lang="ko-KR" altLang="en-US"/>
               <a:t>다섯째 수준</a:t>
             </a:r>
-            <a:endParaRPr lang="ko-KR" altLang="en-US"/>
           </a:p>
         </p:txBody>
       </p:sp>
@@ -758,7 +755,7 @@
           <a:p>
             <a:fld id="{26576763-DB1D-4912-88C1-03ED06B18342}" type="datetimeFigureOut">
               <a:rPr lang="ko-KR" altLang="en-US" smtClean="0"/>
-              <a:t>2020-07-12</a:t>
+              <a:t>2020-07-14</a:t>
             </a:fld>
             <a:endParaRPr lang="ko-KR" altLang="en-US"/>
           </a:p>
@@ -861,10 +858,9 @@
           </a:lstStyle>
           <a:p>
             <a:r>
-              <a:rPr lang="ko-KR" altLang="en-US" smtClean="0"/>
+              <a:rPr lang="ko-KR" altLang="en-US"/>
               <a:t>마스터 제목 스타일 편집</a:t>
             </a:r>
-            <a:endParaRPr lang="ko-KR" altLang="en-US"/>
           </a:p>
         </p:txBody>
       </p:sp>
@@ -981,7 +977,7 @@
           <a:p>
             <a:pPr lvl="0"/>
             <a:r>
-              <a:rPr lang="ko-KR" altLang="en-US" smtClean="0"/>
+              <a:rPr lang="ko-KR" altLang="en-US"/>
               <a:t>마스터 텍스트 스타일 편집</a:t>
             </a:r>
           </a:p>
@@ -1004,7 +1000,7 @@
           <a:p>
             <a:fld id="{26576763-DB1D-4912-88C1-03ED06B18342}" type="datetimeFigureOut">
               <a:rPr lang="ko-KR" altLang="en-US" smtClean="0"/>
-              <a:t>2020-07-12</a:t>
+              <a:t>2020-07-14</a:t>
             </a:fld>
             <a:endParaRPr lang="ko-KR" altLang="en-US"/>
           </a:p>
@@ -1098,10 +1094,9 @@
           <a:lstStyle/>
           <a:p>
             <a:r>
-              <a:rPr lang="ko-KR" altLang="en-US" smtClean="0"/>
+              <a:rPr lang="ko-KR" altLang="en-US"/>
               <a:t>마스터 제목 스타일 편집</a:t>
             </a:r>
-            <a:endParaRPr lang="ko-KR" altLang="en-US"/>
           </a:p>
         </p:txBody>
       </p:sp>
@@ -1127,38 +1122,37 @@
           <a:p>
             <a:pPr lvl="0"/>
             <a:r>
-              <a:rPr lang="ko-KR" altLang="en-US" smtClean="0"/>
+              <a:rPr lang="ko-KR" altLang="en-US"/>
               <a:t>마스터 텍스트 스타일 편집</a:t>
             </a:r>
           </a:p>
           <a:p>
             <a:pPr lvl="1"/>
             <a:r>
-              <a:rPr lang="ko-KR" altLang="en-US" smtClean="0"/>
+              <a:rPr lang="ko-KR" altLang="en-US"/>
               <a:t>둘째 수준</a:t>
             </a:r>
           </a:p>
           <a:p>
             <a:pPr lvl="2"/>
             <a:r>
-              <a:rPr lang="ko-KR" altLang="en-US" smtClean="0"/>
+              <a:rPr lang="ko-KR" altLang="en-US"/>
               <a:t>셋째 수준</a:t>
             </a:r>
           </a:p>
           <a:p>
             <a:pPr lvl="3"/>
             <a:r>
-              <a:rPr lang="ko-KR" altLang="en-US" smtClean="0"/>
+              <a:rPr lang="ko-KR" altLang="en-US"/>
               <a:t>넷째 수준</a:t>
             </a:r>
           </a:p>
           <a:p>
             <a:pPr lvl="4"/>
             <a:r>
-              <a:rPr lang="ko-KR" altLang="en-US" smtClean="0"/>
+              <a:rPr lang="ko-KR" altLang="en-US"/>
               <a:t>다섯째 수준</a:t>
             </a:r>
-            <a:endParaRPr lang="ko-KR" altLang="en-US"/>
           </a:p>
         </p:txBody>
       </p:sp>
@@ -1184,38 +1178,37 @@
           <a:p>
             <a:pPr lvl="0"/>
             <a:r>
-              <a:rPr lang="ko-KR" altLang="en-US" smtClean="0"/>
+              <a:rPr lang="ko-KR" altLang="en-US"/>
               <a:t>마스터 텍스트 스타일 편집</a:t>
             </a:r>
           </a:p>
           <a:p>
             <a:pPr lvl="1"/>
             <a:r>
-              <a:rPr lang="ko-KR" altLang="en-US" smtClean="0"/>
+              <a:rPr lang="ko-KR" altLang="en-US"/>
               <a:t>둘째 수준</a:t>
             </a:r>
           </a:p>
           <a:p>
             <a:pPr lvl="2"/>
             <a:r>
-              <a:rPr lang="ko-KR" altLang="en-US" smtClean="0"/>
+              <a:rPr lang="ko-KR" altLang="en-US"/>
               <a:t>셋째 수준</a:t>
             </a:r>
           </a:p>
           <a:p>
             <a:pPr lvl="3"/>
             <a:r>
-              <a:rPr lang="ko-KR" altLang="en-US" smtClean="0"/>
+              <a:rPr lang="ko-KR" altLang="en-US"/>
               <a:t>넷째 수준</a:t>
             </a:r>
           </a:p>
           <a:p>
             <a:pPr lvl="4"/>
             <a:r>
-              <a:rPr lang="ko-KR" altLang="en-US" smtClean="0"/>
+              <a:rPr lang="ko-KR" altLang="en-US"/>
               <a:t>다섯째 수준</a:t>
             </a:r>
-            <a:endParaRPr lang="ko-KR" altLang="en-US"/>
           </a:p>
         </p:txBody>
       </p:sp>
@@ -1236,7 +1229,7 @@
           <a:p>
             <a:fld id="{26576763-DB1D-4912-88C1-03ED06B18342}" type="datetimeFigureOut">
               <a:rPr lang="ko-KR" altLang="en-US" smtClean="0"/>
-              <a:t>2020-07-12</a:t>
+              <a:t>2020-07-14</a:t>
             </a:fld>
             <a:endParaRPr lang="ko-KR" altLang="en-US"/>
           </a:p>
@@ -1335,10 +1328,9 @@
           <a:lstStyle/>
           <a:p>
             <a:r>
-              <a:rPr lang="ko-KR" altLang="en-US" smtClean="0"/>
+              <a:rPr lang="ko-KR" altLang="en-US"/>
               <a:t>마스터 제목 스타일 편집</a:t>
             </a:r>
-            <a:endParaRPr lang="ko-KR" altLang="en-US"/>
           </a:p>
         </p:txBody>
       </p:sp>
@@ -1401,7 +1393,7 @@
           <a:p>
             <a:pPr lvl="0"/>
             <a:r>
-              <a:rPr lang="ko-KR" altLang="en-US" smtClean="0"/>
+              <a:rPr lang="ko-KR" altLang="en-US"/>
               <a:t>마스터 텍스트 스타일 편집</a:t>
             </a:r>
           </a:p>
@@ -1429,38 +1421,37 @@
           <a:p>
             <a:pPr lvl="0"/>
             <a:r>
-              <a:rPr lang="ko-KR" altLang="en-US" smtClean="0"/>
+              <a:rPr lang="ko-KR" altLang="en-US"/>
               <a:t>마스터 텍스트 스타일 편집</a:t>
             </a:r>
           </a:p>
           <a:p>
             <a:pPr lvl="1"/>
             <a:r>
-              <a:rPr lang="ko-KR" altLang="en-US" smtClean="0"/>
+              <a:rPr lang="ko-KR" altLang="en-US"/>
               <a:t>둘째 수준</a:t>
             </a:r>
           </a:p>
           <a:p>
             <a:pPr lvl="2"/>
             <a:r>
-              <a:rPr lang="ko-KR" altLang="en-US" smtClean="0"/>
+              <a:rPr lang="ko-KR" altLang="en-US"/>
               <a:t>셋째 수준</a:t>
             </a:r>
           </a:p>
           <a:p>
             <a:pPr lvl="3"/>
             <a:r>
-              <a:rPr lang="ko-KR" altLang="en-US" smtClean="0"/>
+              <a:rPr lang="ko-KR" altLang="en-US"/>
               <a:t>넷째 수준</a:t>
             </a:r>
           </a:p>
           <a:p>
             <a:pPr lvl="4"/>
             <a:r>
-              <a:rPr lang="ko-KR" altLang="en-US" smtClean="0"/>
+              <a:rPr lang="ko-KR" altLang="en-US"/>
               <a:t>다섯째 수준</a:t>
             </a:r>
-            <a:endParaRPr lang="ko-KR" altLang="en-US"/>
           </a:p>
         </p:txBody>
       </p:sp>
@@ -1523,7 +1514,7 @@
           <a:p>
             <a:pPr lvl="0"/>
             <a:r>
-              <a:rPr lang="ko-KR" altLang="en-US" smtClean="0"/>
+              <a:rPr lang="ko-KR" altLang="en-US"/>
               <a:t>마스터 텍스트 스타일 편집</a:t>
             </a:r>
           </a:p>
@@ -1551,38 +1542,37 @@
           <a:p>
             <a:pPr lvl="0"/>
             <a:r>
-              <a:rPr lang="ko-KR" altLang="en-US" smtClean="0"/>
+              <a:rPr lang="ko-KR" altLang="en-US"/>
               <a:t>마스터 텍스트 스타일 편집</a:t>
             </a:r>
           </a:p>
           <a:p>
             <a:pPr lvl="1"/>
             <a:r>
-              <a:rPr lang="ko-KR" altLang="en-US" smtClean="0"/>
+              <a:rPr lang="ko-KR" altLang="en-US"/>
               <a:t>둘째 수준</a:t>
             </a:r>
           </a:p>
           <a:p>
             <a:pPr lvl="2"/>
             <a:r>
-              <a:rPr lang="ko-KR" altLang="en-US" smtClean="0"/>
+              <a:rPr lang="ko-KR" altLang="en-US"/>
               <a:t>셋째 수준</a:t>
             </a:r>
           </a:p>
           <a:p>
             <a:pPr lvl="3"/>
             <a:r>
-              <a:rPr lang="ko-KR" altLang="en-US" smtClean="0"/>
+              <a:rPr lang="ko-KR" altLang="en-US"/>
               <a:t>넷째 수준</a:t>
             </a:r>
           </a:p>
           <a:p>
             <a:pPr lvl="4"/>
             <a:r>
-              <a:rPr lang="ko-KR" altLang="en-US" smtClean="0"/>
+              <a:rPr lang="ko-KR" altLang="en-US"/>
               <a:t>다섯째 수준</a:t>
             </a:r>
-            <a:endParaRPr lang="ko-KR" altLang="en-US"/>
           </a:p>
         </p:txBody>
       </p:sp>
@@ -1603,7 +1593,7 @@
           <a:p>
             <a:fld id="{26576763-DB1D-4912-88C1-03ED06B18342}" type="datetimeFigureOut">
               <a:rPr lang="ko-KR" altLang="en-US" smtClean="0"/>
-              <a:t>2020-07-12</a:t>
+              <a:t>2020-07-14</a:t>
             </a:fld>
             <a:endParaRPr lang="ko-KR" altLang="en-US"/>
           </a:p>
@@ -1697,10 +1687,9 @@
           <a:lstStyle/>
           <a:p>
             <a:r>
-              <a:rPr lang="ko-KR" altLang="en-US" smtClean="0"/>
+              <a:rPr lang="ko-KR" altLang="en-US"/>
               <a:t>마스터 제목 스타일 편집</a:t>
             </a:r>
-            <a:endParaRPr lang="ko-KR" altLang="en-US"/>
           </a:p>
         </p:txBody>
       </p:sp>
@@ -1721,7 +1710,7 @@
           <a:p>
             <a:fld id="{26576763-DB1D-4912-88C1-03ED06B18342}" type="datetimeFigureOut">
               <a:rPr lang="ko-KR" altLang="en-US" smtClean="0"/>
-              <a:t>2020-07-12</a:t>
+              <a:t>2020-07-14</a:t>
             </a:fld>
             <a:endParaRPr lang="ko-KR" altLang="en-US"/>
           </a:p>
@@ -1816,7 +1805,7 @@
           <a:p>
             <a:fld id="{26576763-DB1D-4912-88C1-03ED06B18342}" type="datetimeFigureOut">
               <a:rPr lang="ko-KR" altLang="en-US" smtClean="0"/>
-              <a:t>2020-07-12</a:t>
+              <a:t>2020-07-14</a:t>
             </a:fld>
             <a:endParaRPr lang="ko-KR" altLang="en-US"/>
           </a:p>
@@ -1919,10 +1908,9 @@
           </a:lstStyle>
           <a:p>
             <a:r>
-              <a:rPr lang="ko-KR" altLang="en-US" smtClean="0"/>
+              <a:rPr lang="ko-KR" altLang="en-US"/>
               <a:t>마스터 제목 스타일 편집</a:t>
             </a:r>
-            <a:endParaRPr lang="ko-KR" altLang="en-US"/>
           </a:p>
         </p:txBody>
       </p:sp>
@@ -1976,38 +1964,37 @@
           <a:p>
             <a:pPr lvl="0"/>
             <a:r>
-              <a:rPr lang="ko-KR" altLang="en-US" smtClean="0"/>
+              <a:rPr lang="ko-KR" altLang="en-US"/>
               <a:t>마스터 텍스트 스타일 편집</a:t>
             </a:r>
           </a:p>
           <a:p>
             <a:pPr lvl="1"/>
             <a:r>
-              <a:rPr lang="ko-KR" altLang="en-US" smtClean="0"/>
+              <a:rPr lang="ko-KR" altLang="en-US"/>
               <a:t>둘째 수준</a:t>
             </a:r>
           </a:p>
           <a:p>
             <a:pPr lvl="2"/>
             <a:r>
-              <a:rPr lang="ko-KR" altLang="en-US" smtClean="0"/>
+              <a:rPr lang="ko-KR" altLang="en-US"/>
               <a:t>셋째 수준</a:t>
             </a:r>
           </a:p>
           <a:p>
             <a:pPr lvl="3"/>
             <a:r>
-              <a:rPr lang="ko-KR" altLang="en-US" smtClean="0"/>
+              <a:rPr lang="ko-KR" altLang="en-US"/>
               <a:t>넷째 수준</a:t>
             </a:r>
           </a:p>
           <a:p>
             <a:pPr lvl="4"/>
             <a:r>
-              <a:rPr lang="ko-KR" altLang="en-US" smtClean="0"/>
+              <a:rPr lang="ko-KR" altLang="en-US"/>
               <a:t>다섯째 수준</a:t>
             </a:r>
-            <a:endParaRPr lang="ko-KR" altLang="en-US"/>
           </a:p>
         </p:txBody>
       </p:sp>
@@ -2070,7 +2057,7 @@
           <a:p>
             <a:pPr lvl="0"/>
             <a:r>
-              <a:rPr lang="ko-KR" altLang="en-US" smtClean="0"/>
+              <a:rPr lang="ko-KR" altLang="en-US"/>
               <a:t>마스터 텍스트 스타일 편집</a:t>
             </a:r>
           </a:p>
@@ -2093,7 +2080,7 @@
           <a:p>
             <a:fld id="{26576763-DB1D-4912-88C1-03ED06B18342}" type="datetimeFigureOut">
               <a:rPr lang="ko-KR" altLang="en-US" smtClean="0"/>
-              <a:t>2020-07-12</a:t>
+              <a:t>2020-07-14</a:t>
             </a:fld>
             <a:endParaRPr lang="ko-KR" altLang="en-US"/>
           </a:p>
@@ -2196,10 +2183,9 @@
           </a:lstStyle>
           <a:p>
             <a:r>
-              <a:rPr lang="ko-KR" altLang="en-US" smtClean="0"/>
+              <a:rPr lang="ko-KR" altLang="en-US"/>
               <a:t>마스터 제목 스타일 편집</a:t>
             </a:r>
-            <a:endParaRPr lang="ko-KR" altLang="en-US"/>
           </a:p>
         </p:txBody>
       </p:sp>
@@ -2323,7 +2309,7 @@
           <a:p>
             <a:pPr lvl="0"/>
             <a:r>
-              <a:rPr lang="ko-KR" altLang="en-US" smtClean="0"/>
+              <a:rPr lang="ko-KR" altLang="en-US"/>
               <a:t>마스터 텍스트 스타일 편집</a:t>
             </a:r>
           </a:p>
@@ -2346,7 +2332,7 @@
           <a:p>
             <a:fld id="{26576763-DB1D-4912-88C1-03ED06B18342}" type="datetimeFigureOut">
               <a:rPr lang="ko-KR" altLang="en-US" smtClean="0"/>
-              <a:t>2020-07-12</a:t>
+              <a:t>2020-07-14</a:t>
             </a:fld>
             <a:endParaRPr lang="ko-KR" altLang="en-US"/>
           </a:p>
@@ -2455,10 +2441,9 @@
           <a:lstStyle/>
           <a:p>
             <a:r>
-              <a:rPr lang="ko-KR" altLang="en-US" smtClean="0"/>
+              <a:rPr lang="ko-KR" altLang="en-US"/>
               <a:t>마스터 제목 스타일 편집</a:t>
             </a:r>
-            <a:endParaRPr lang="ko-KR" altLang="en-US"/>
           </a:p>
         </p:txBody>
       </p:sp>
@@ -2489,38 +2474,37 @@
           <a:p>
             <a:pPr lvl="0"/>
             <a:r>
-              <a:rPr lang="ko-KR" altLang="en-US" smtClean="0"/>
+              <a:rPr lang="ko-KR" altLang="en-US"/>
               <a:t>마스터 텍스트 스타일 편집</a:t>
             </a:r>
           </a:p>
           <a:p>
             <a:pPr lvl="1"/>
             <a:r>
-              <a:rPr lang="ko-KR" altLang="en-US" smtClean="0"/>
+              <a:rPr lang="ko-KR" altLang="en-US"/>
               <a:t>둘째 수준</a:t>
             </a:r>
           </a:p>
           <a:p>
             <a:pPr lvl="2"/>
             <a:r>
-              <a:rPr lang="ko-KR" altLang="en-US" smtClean="0"/>
+              <a:rPr lang="ko-KR" altLang="en-US"/>
               <a:t>셋째 수준</a:t>
             </a:r>
           </a:p>
           <a:p>
             <a:pPr lvl="3"/>
             <a:r>
-              <a:rPr lang="ko-KR" altLang="en-US" smtClean="0"/>
+              <a:rPr lang="ko-KR" altLang="en-US"/>
               <a:t>넷째 수준</a:t>
             </a:r>
           </a:p>
           <a:p>
             <a:pPr lvl="4"/>
             <a:r>
-              <a:rPr lang="ko-KR" altLang="en-US" smtClean="0"/>
+              <a:rPr lang="ko-KR" altLang="en-US"/>
               <a:t>다섯째 수준</a:t>
             </a:r>
-            <a:endParaRPr lang="ko-KR" altLang="en-US"/>
           </a:p>
         </p:txBody>
       </p:sp>
@@ -2559,7 +2543,7 @@
           <a:p>
             <a:fld id="{26576763-DB1D-4912-88C1-03ED06B18342}" type="datetimeFigureOut">
               <a:rPr lang="ko-KR" altLang="en-US" smtClean="0"/>
-              <a:t>2020-07-12</a:t>
+              <a:t>2020-07-14</a:t>
             </a:fld>
             <a:endParaRPr lang="ko-KR" altLang="en-US"/>
           </a:p>
@@ -2973,7 +2957,7 @@
           <p:nvPr>
             <p:extLst>
               <p:ext uri="{D42A27DB-BD31-4B8C-83A1-F6EECF244321}">
-                <p14:modId xmlns:p14="http://schemas.microsoft.com/office/powerpoint/2010/main" val="2364516790"/>
+                <p14:modId xmlns:p14="http://schemas.microsoft.com/office/powerpoint/2010/main" val="3395090568"/>
               </p:ext>
             </p:extLst>
           </p:nvPr>
@@ -3044,7 +3028,7 @@
                     <a:p>
                       <a:pPr algn="ctr" latinLnBrk="1"/>
                       <a:r>
-                        <a:rPr lang="en-US" altLang="ko-KR" dirty="0" smtClean="0"/>
+                        <a:rPr lang="en-US" altLang="ko-KR" dirty="0"/>
                         <a:t>OSI Model</a:t>
                       </a:r>
                       <a:endParaRPr lang="ko-KR" altLang="en-US" dirty="0"/>
@@ -3059,14 +3043,14 @@
                     <a:p>
                       <a:pPr algn="ctr" latinLnBrk="1"/>
                       <a:r>
-                        <a:rPr lang="en-US" altLang="ko-KR" dirty="0" smtClean="0"/>
+                        <a:rPr lang="en-US" altLang="ko-KR" dirty="0"/>
                         <a:t>Layer</a:t>
                       </a:r>
                       <a:br>
-                        <a:rPr lang="en-US" altLang="ko-KR" dirty="0" smtClean="0"/>
+                        <a:rPr lang="en-US" altLang="ko-KR" dirty="0"/>
                       </a:br>
                       <a:r>
-                        <a:rPr lang="en-US" altLang="ko-KR" dirty="0" smtClean="0"/>
+                        <a:rPr lang="en-US" altLang="ko-KR" dirty="0"/>
                         <a:t>Number</a:t>
                       </a:r>
                       <a:endParaRPr lang="ko-KR" altLang="en-US" dirty="0"/>
@@ -3081,14 +3065,14 @@
                     <a:p>
                       <a:pPr algn="ctr" latinLnBrk="1"/>
                       <a:r>
-                        <a:rPr lang="en-US" altLang="ko-KR" dirty="0" smtClean="0"/>
+                        <a:rPr lang="en-US" altLang="ko-KR" dirty="0"/>
                         <a:t>TCP/IP</a:t>
                       </a:r>
                     </a:p>
                     <a:p>
                       <a:pPr algn="ctr" latinLnBrk="1"/>
                       <a:r>
-                        <a:rPr lang="en-US" altLang="ko-KR" dirty="0" smtClean="0"/>
+                        <a:rPr lang="en-US" altLang="ko-KR" dirty="0"/>
                         <a:t>Layer</a:t>
                       </a:r>
                       <a:endParaRPr lang="ko-KR" altLang="en-US" dirty="0"/>
@@ -3103,14 +3087,14 @@
                     <a:p>
                       <a:pPr algn="ctr" latinLnBrk="1"/>
                       <a:r>
-                        <a:rPr lang="en-US" altLang="ko-KR" dirty="0" smtClean="0"/>
+                        <a:rPr lang="en-US" altLang="ko-KR" dirty="0"/>
                         <a:t>Other</a:t>
                       </a:r>
                     </a:p>
                     <a:p>
                       <a:pPr algn="ctr" latinLnBrk="1"/>
                       <a:r>
-                        <a:rPr lang="en-US" altLang="ko-KR" dirty="0" smtClean="0"/>
+                        <a:rPr lang="en-US" altLang="ko-KR" dirty="0"/>
                         <a:t>Protocol</a:t>
                       </a:r>
                       <a:endParaRPr lang="ko-KR" altLang="en-US" dirty="0"/>
@@ -3132,7 +3116,7 @@
                     <a:p>
                       <a:pPr algn="ctr" latinLnBrk="1"/>
                       <a:r>
-                        <a:rPr lang="en-US" altLang="ko-KR" dirty="0" smtClean="0"/>
+                        <a:rPr lang="en-US" altLang="ko-KR" dirty="0"/>
                         <a:t>Alligator</a:t>
                       </a:r>
                       <a:endParaRPr lang="ko-KR" altLang="en-US" dirty="0"/>
@@ -3147,21 +3131,10 @@
                     <a:p>
                       <a:pPr algn="ctr" latinLnBrk="1"/>
                       <a:r>
-                        <a:rPr lang="en-US" altLang="ko-KR" dirty="0" smtClean="0"/>
+                        <a:rPr lang="en-US" altLang="ko-KR" dirty="0"/>
                         <a:t>Application</a:t>
                       </a:r>
                       <a:endParaRPr lang="ko-KR" altLang="en-US" dirty="0"/>
-                    </a:p>
-                  </a:txBody>
-                  <a:tcPr anchor="ctr"/>
-                </a:tc>
-                <a:tc>
-                  <a:txBody>
-                    <a:bodyPr/>
-                    <a:lstStyle/>
-                    <a:p>
-                      <a:pPr algn="ctr" latinLnBrk="1"/>
-                      <a:endParaRPr lang="ko-KR" altLang="en-US"/>
                     </a:p>
                   </a:txBody>
                   <a:tcPr anchor="ctr"/>
@@ -3173,8 +3146,8 @@
                     <a:p>
                       <a:pPr algn="ctr" latinLnBrk="1"/>
                       <a:r>
-                        <a:rPr lang="en-US" altLang="ko-KR" dirty="0" smtClean="0"/>
-                        <a:t>HTTP</a:t>
+                        <a:rPr lang="en-US" altLang="ko-KR" dirty="0"/>
+                        <a:t>L7(Firewall)</a:t>
                       </a:r>
                       <a:endParaRPr lang="ko-KR" altLang="en-US" dirty="0"/>
                     </a:p>
@@ -3188,28 +3161,43 @@
                     <a:p>
                       <a:pPr algn="ctr" latinLnBrk="1"/>
                       <a:r>
-                        <a:rPr lang="en-US" altLang="ko-KR" dirty="0" smtClean="0"/>
+                        <a:rPr lang="en-US" altLang="ko-KR" dirty="0"/>
+                        <a:t>HTTP</a:t>
+                      </a:r>
+                      <a:endParaRPr lang="ko-KR" altLang="en-US" dirty="0"/>
+                    </a:p>
+                  </a:txBody>
+                  <a:tcPr anchor="ctr"/>
+                </a:tc>
+                <a:tc rowSpan="3">
+                  <a:txBody>
+                    <a:bodyPr/>
+                    <a:lstStyle/>
+                    <a:p>
+                      <a:pPr algn="ctr" latinLnBrk="1"/>
+                      <a:r>
+                        <a:rPr lang="en-US" altLang="ko-KR" dirty="0"/>
                         <a:t>SSH,FTP</a:t>
                       </a:r>
                       <a:br>
-                        <a:rPr lang="en-US" altLang="ko-KR" dirty="0" smtClean="0"/>
+                        <a:rPr lang="en-US" altLang="ko-KR" dirty="0"/>
                       </a:br>
                       <a:r>
-                        <a:rPr lang="en-US" altLang="ko-KR" dirty="0" smtClean="0"/>
+                        <a:rPr lang="en-US" altLang="ko-KR" dirty="0"/>
                         <a:t>Telnet,</a:t>
                       </a:r>
                       <a:br>
-                        <a:rPr lang="en-US" altLang="ko-KR" dirty="0" smtClean="0"/>
+                        <a:rPr lang="en-US" altLang="ko-KR" dirty="0"/>
                       </a:br>
                       <a:r>
-                        <a:rPr lang="en-US" altLang="ko-KR" dirty="0" smtClean="0"/>
+                        <a:rPr lang="en-US" altLang="ko-KR" dirty="0"/>
                         <a:t>SMTP</a:t>
                       </a:r>
                     </a:p>
                     <a:p>
                       <a:pPr algn="ctr" latinLnBrk="1"/>
                       <a:r>
-                        <a:rPr lang="en-US" altLang="ko-KR" dirty="0" smtClean="0"/>
+                        <a:rPr lang="en-US" altLang="ko-KR" dirty="0"/>
                         <a:t>POP3</a:t>
                       </a:r>
                       <a:endParaRPr lang="ko-KR" altLang="en-US" dirty="0"/>
@@ -3231,7 +3219,7 @@
                     <a:p>
                       <a:pPr algn="ctr" latinLnBrk="1"/>
                       <a:r>
-                        <a:rPr lang="en-US" altLang="ko-KR" dirty="0" smtClean="0"/>
+                        <a:rPr lang="en-US" altLang="ko-KR" dirty="0"/>
                         <a:t>Pet</a:t>
                       </a:r>
                       <a:endParaRPr lang="ko-KR" altLang="en-US" dirty="0"/>
@@ -3246,7 +3234,7 @@
                     <a:p>
                       <a:pPr algn="ctr" latinLnBrk="1"/>
                       <a:r>
-                        <a:rPr lang="en-US" altLang="ko-KR" dirty="0" smtClean="0"/>
+                        <a:rPr lang="en-US" altLang="ko-KR" dirty="0"/>
                         <a:t>Presentation</a:t>
                       </a:r>
                       <a:endParaRPr lang="ko-KR" altLang="en-US" dirty="0"/>
@@ -3254,7 +3242,7 @@
                   </a:txBody>
                   <a:tcPr anchor="ctr"/>
                 </a:tc>
-                <a:tc>
+                <a:tc vMerge="1">
                   <a:txBody>
                     <a:bodyPr/>
                     <a:lstStyle/>
@@ -3301,7 +3289,7 @@
                     <a:p>
                       <a:pPr algn="ctr" latinLnBrk="1"/>
                       <a:r>
-                        <a:rPr lang="en-US" altLang="ko-KR" dirty="0" smtClean="0"/>
+                        <a:rPr lang="en-US" altLang="ko-KR" dirty="0"/>
                         <a:t>Steve’s</a:t>
                       </a:r>
                       <a:endParaRPr lang="ko-KR" altLang="en-US" dirty="0"/>
@@ -3316,7 +3304,7 @@
                     <a:p>
                       <a:pPr algn="ctr" latinLnBrk="1"/>
                       <a:r>
-                        <a:rPr lang="en-US" altLang="ko-KR" dirty="0" smtClean="0"/>
+                        <a:rPr lang="en-US" altLang="ko-KR" dirty="0"/>
                         <a:t>Session</a:t>
                       </a:r>
                       <a:endParaRPr lang="ko-KR" altLang="en-US" dirty="0"/>
@@ -3324,7 +3312,7 @@
                   </a:txBody>
                   <a:tcPr anchor="ctr"/>
                 </a:tc>
-                <a:tc>
+                <a:tc vMerge="1">
                   <a:txBody>
                     <a:bodyPr/>
                     <a:lstStyle/>
@@ -3371,7 +3359,7 @@
                     <a:p>
                       <a:pPr algn="ctr" latinLnBrk="1"/>
                       <a:r>
-                        <a:rPr lang="en-US" altLang="ko-KR" dirty="0" smtClean="0"/>
+                        <a:rPr lang="en-US" altLang="ko-KR" dirty="0"/>
                         <a:t>Touch</a:t>
                       </a:r>
                       <a:endParaRPr lang="ko-KR" altLang="en-US" dirty="0"/>
@@ -3386,7 +3374,7 @@
                     <a:p>
                       <a:pPr algn="ctr" latinLnBrk="1"/>
                       <a:r>
-                        <a:rPr lang="en-US" altLang="ko-KR" dirty="0" smtClean="0"/>
+                        <a:rPr lang="en-US" altLang="ko-KR" dirty="0"/>
                         <a:t>Transport</a:t>
                       </a:r>
                       <a:endParaRPr lang="ko-KR" altLang="en-US" dirty="0"/>
@@ -3400,6 +3388,10 @@
                     <a:lstStyle/>
                     <a:p>
                       <a:pPr algn="ctr" latinLnBrk="1"/>
+                      <a:r>
+                        <a:rPr lang="en-US" altLang="ko-KR" dirty="0"/>
+                        <a:t>N4(NAT)</a:t>
+                      </a:r>
                       <a:endParaRPr lang="ko-KR" altLang="en-US" dirty="0"/>
                     </a:p>
                   </a:txBody>
@@ -3412,7 +3404,7 @@
                     <a:p>
                       <a:pPr algn="ctr" latinLnBrk="1"/>
                       <a:r>
-                        <a:rPr lang="en-US" altLang="ko-KR" dirty="0" smtClean="0"/>
+                        <a:rPr lang="en-US" altLang="ko-KR" dirty="0"/>
                         <a:t>TCP</a:t>
                       </a:r>
                       <a:endParaRPr lang="ko-KR" altLang="en-US" dirty="0"/>
@@ -3427,7 +3419,7 @@
                     <a:p>
                       <a:pPr algn="ctr" latinLnBrk="1"/>
                       <a:r>
-                        <a:rPr lang="en-US" altLang="ko-KR" dirty="0" smtClean="0"/>
+                        <a:rPr lang="en-US" altLang="ko-KR" dirty="0"/>
                         <a:t>UDP, SCTP</a:t>
                       </a:r>
                       <a:endParaRPr lang="ko-KR" altLang="en-US" dirty="0"/>
@@ -3449,7 +3441,7 @@
                     <a:p>
                       <a:pPr algn="ctr" latinLnBrk="1"/>
                       <a:r>
-                        <a:rPr lang="en-US" altLang="ko-KR" dirty="0" smtClean="0"/>
+                        <a:rPr lang="en-US" altLang="ko-KR" dirty="0"/>
                         <a:t>Not</a:t>
                       </a:r>
                       <a:endParaRPr lang="ko-KR" altLang="en-US" dirty="0"/>
@@ -3464,7 +3456,7 @@
                     <a:p>
                       <a:pPr algn="ctr" latinLnBrk="1"/>
                       <a:r>
-                        <a:rPr lang="en-US" altLang="ko-KR" dirty="0" smtClean="0"/>
+                        <a:rPr lang="en-US" altLang="ko-KR" dirty="0"/>
                         <a:t>Network</a:t>
                       </a:r>
                       <a:endParaRPr lang="ko-KR" altLang="en-US" dirty="0"/>
@@ -3478,7 +3470,11 @@
                     <a:lstStyle/>
                     <a:p>
                       <a:pPr algn="ctr" latinLnBrk="1"/>
-                      <a:endParaRPr lang="ko-KR" altLang="en-US"/>
+                      <a:r>
+                        <a:rPr lang="en-US" altLang="ko-KR" dirty="0"/>
+                        <a:t>N3(Router)</a:t>
+                      </a:r>
+                      <a:endParaRPr lang="ko-KR" altLang="en-US" dirty="0"/>
                     </a:p>
                   </a:txBody>
                   <a:tcPr anchor="ctr"/>
@@ -3490,7 +3486,7 @@
                     <a:p>
                       <a:pPr algn="ctr" latinLnBrk="1"/>
                       <a:r>
-                        <a:rPr lang="en-US" altLang="ko-KR" dirty="0" smtClean="0"/>
+                        <a:rPr lang="en-US" altLang="ko-KR" dirty="0"/>
                         <a:t>IP</a:t>
                       </a:r>
                       <a:endParaRPr lang="ko-KR" altLang="en-US" dirty="0"/>
@@ -3505,7 +3501,7 @@
                     <a:p>
                       <a:pPr algn="ctr" latinLnBrk="1"/>
                       <a:r>
-                        <a:rPr lang="en-US" altLang="ko-KR" dirty="0" smtClean="0"/>
+                        <a:rPr lang="en-US" altLang="ko-KR" dirty="0"/>
                         <a:t>IPv6, ARP</a:t>
                       </a:r>
                       <a:endParaRPr lang="ko-KR" altLang="en-US" dirty="0"/>
@@ -3527,7 +3523,7 @@
                     <a:p>
                       <a:pPr algn="ctr" latinLnBrk="1"/>
                       <a:r>
-                        <a:rPr lang="en-US" altLang="ko-KR" dirty="0" smtClean="0"/>
+                        <a:rPr lang="en-US" altLang="ko-KR" dirty="0"/>
                         <a:t>Do</a:t>
                       </a:r>
                       <a:endParaRPr lang="ko-KR" altLang="en-US" dirty="0"/>
@@ -3542,7 +3538,7 @@
                     <a:p>
                       <a:pPr algn="ctr" latinLnBrk="1"/>
                       <a:r>
-                        <a:rPr lang="en-US" altLang="ko-KR" dirty="0" smtClean="0"/>
+                        <a:rPr lang="en-US" altLang="ko-KR" dirty="0"/>
                         <a:t>Data Link</a:t>
                       </a:r>
                       <a:endParaRPr lang="ko-KR" altLang="en-US" dirty="0"/>
@@ -3556,7 +3552,11 @@
                     <a:lstStyle/>
                     <a:p>
                       <a:pPr algn="ctr" latinLnBrk="1"/>
-                      <a:endParaRPr lang="ko-KR" altLang="en-US"/>
+                      <a:r>
+                        <a:rPr lang="en-US" altLang="ko-KR" dirty="0"/>
+                        <a:t>N2(Switch)</a:t>
+                      </a:r>
+                      <a:endParaRPr lang="ko-KR" altLang="en-US" dirty="0"/>
                     </a:p>
                   </a:txBody>
                   <a:tcPr anchor="ctr"/>
@@ -3568,7 +3568,7 @@
                     <a:p>
                       <a:pPr algn="ctr" latinLnBrk="1"/>
                       <a:r>
-                        <a:rPr lang="en-US" altLang="ko-KR" dirty="0" smtClean="0"/>
+                        <a:rPr lang="en-US" altLang="ko-KR" dirty="0"/>
                         <a:t>Ethernet</a:t>
                       </a:r>
                       <a:endParaRPr lang="ko-KR" altLang="en-US" dirty="0"/>
@@ -3583,18 +3583,18 @@
                     <a:p>
                       <a:pPr algn="ctr" latinLnBrk="1"/>
                       <a:r>
-                        <a:rPr lang="en-US" altLang="ko-KR" dirty="0" smtClean="0"/>
+                        <a:rPr lang="en-US" altLang="ko-KR" dirty="0"/>
                         <a:t>HDLC, </a:t>
                       </a:r>
                       <a:br>
-                        <a:rPr lang="en-US" altLang="ko-KR" dirty="0" smtClean="0"/>
+                        <a:rPr lang="en-US" altLang="ko-KR" dirty="0"/>
                       </a:br>
                       <a:r>
-                        <a:rPr lang="en-US" altLang="ko-KR" dirty="0" smtClean="0"/>
+                        <a:rPr lang="en-US" altLang="ko-KR" dirty="0"/>
                         <a:t>Frame</a:t>
                       </a:r>
                       <a:r>
-                        <a:rPr lang="en-US" altLang="ko-KR" baseline="0" dirty="0" smtClean="0"/>
+                        <a:rPr lang="en-US" altLang="ko-KR" baseline="0" dirty="0"/>
                         <a:t> Relay</a:t>
                       </a:r>
                       <a:endParaRPr lang="ko-KR" altLang="en-US" dirty="0"/>
@@ -3616,7 +3616,7 @@
                     <a:p>
                       <a:pPr algn="ctr" latinLnBrk="1"/>
                       <a:r>
-                        <a:rPr lang="en-US" altLang="ko-KR" dirty="0" smtClean="0"/>
+                        <a:rPr lang="en-US" altLang="ko-KR" dirty="0"/>
                         <a:t>Please</a:t>
                       </a:r>
                       <a:endParaRPr lang="ko-KR" altLang="en-US" dirty="0"/>
@@ -3631,7 +3631,7 @@
                     <a:p>
                       <a:pPr algn="ctr" latinLnBrk="1"/>
                       <a:r>
-                        <a:rPr lang="en-US" altLang="ko-KR" dirty="0" smtClean="0"/>
+                        <a:rPr lang="en-US" altLang="ko-KR" dirty="0"/>
                         <a:t>Physical</a:t>
                       </a:r>
                       <a:endParaRPr lang="ko-KR" altLang="en-US" dirty="0"/>
